--- a/JornadaUsuarioRemember.pptx
+++ b/JornadaUsuarioRemember.pptx
@@ -6,6 +6,7 @@
   </p:sldMasterIdLst>
   <p:sldIdLst>
     <p:sldId id="258" r:id="rId2"/>
+    <p:sldId id="259" r:id="rId3"/>
   </p:sldIdLst>
   <p:sldSz cx="14400213" cy="6858000"/>
   <p:notesSz cx="6858000" cy="9144000"/>
@@ -243,7 +244,7 @@
           <a:p>
             <a:fld id="{FF2D642A-CF50-47D2-A382-432681E960B9}" type="datetimeFigureOut">
               <a:rPr lang="pt-BR" smtClean="0"/>
-              <a:t>16/10/2019</a:t>
+              <a:t>23/10/2019</a:t>
             </a:fld>
             <a:endParaRPr lang="pt-BR"/>
           </a:p>
@@ -413,7 +414,7 @@
           <a:p>
             <a:fld id="{FF2D642A-CF50-47D2-A382-432681E960B9}" type="datetimeFigureOut">
               <a:rPr lang="pt-BR" smtClean="0"/>
-              <a:t>16/10/2019</a:t>
+              <a:t>23/10/2019</a:t>
             </a:fld>
             <a:endParaRPr lang="pt-BR"/>
           </a:p>
@@ -593,7 +594,7 @@
           <a:p>
             <a:fld id="{FF2D642A-CF50-47D2-A382-432681E960B9}" type="datetimeFigureOut">
               <a:rPr lang="pt-BR" smtClean="0"/>
-              <a:t>16/10/2019</a:t>
+              <a:t>23/10/2019</a:t>
             </a:fld>
             <a:endParaRPr lang="pt-BR"/>
           </a:p>
@@ -763,7 +764,7 @@
           <a:p>
             <a:fld id="{FF2D642A-CF50-47D2-A382-432681E960B9}" type="datetimeFigureOut">
               <a:rPr lang="pt-BR" smtClean="0"/>
-              <a:t>16/10/2019</a:t>
+              <a:t>23/10/2019</a:t>
             </a:fld>
             <a:endParaRPr lang="pt-BR"/>
           </a:p>
@@ -1009,7 +1010,7 @@
           <a:p>
             <a:fld id="{FF2D642A-CF50-47D2-A382-432681E960B9}" type="datetimeFigureOut">
               <a:rPr lang="pt-BR" smtClean="0"/>
-              <a:t>16/10/2019</a:t>
+              <a:t>23/10/2019</a:t>
             </a:fld>
             <a:endParaRPr lang="pt-BR"/>
           </a:p>
@@ -1241,7 +1242,7 @@
           <a:p>
             <a:fld id="{FF2D642A-CF50-47D2-A382-432681E960B9}" type="datetimeFigureOut">
               <a:rPr lang="pt-BR" smtClean="0"/>
-              <a:t>16/10/2019</a:t>
+              <a:t>23/10/2019</a:t>
             </a:fld>
             <a:endParaRPr lang="pt-BR"/>
           </a:p>
@@ -1608,7 +1609,7 @@
           <a:p>
             <a:fld id="{FF2D642A-CF50-47D2-A382-432681E960B9}" type="datetimeFigureOut">
               <a:rPr lang="pt-BR" smtClean="0"/>
-              <a:t>16/10/2019</a:t>
+              <a:t>23/10/2019</a:t>
             </a:fld>
             <a:endParaRPr lang="pt-BR"/>
           </a:p>
@@ -1726,7 +1727,7 @@
           <a:p>
             <a:fld id="{FF2D642A-CF50-47D2-A382-432681E960B9}" type="datetimeFigureOut">
               <a:rPr lang="pt-BR" smtClean="0"/>
-              <a:t>16/10/2019</a:t>
+              <a:t>23/10/2019</a:t>
             </a:fld>
             <a:endParaRPr lang="pt-BR"/>
           </a:p>
@@ -1821,7 +1822,7 @@
           <a:p>
             <a:fld id="{FF2D642A-CF50-47D2-A382-432681E960B9}" type="datetimeFigureOut">
               <a:rPr lang="pt-BR" smtClean="0"/>
-              <a:t>16/10/2019</a:t>
+              <a:t>23/10/2019</a:t>
             </a:fld>
             <a:endParaRPr lang="pt-BR"/>
           </a:p>
@@ -2098,7 +2099,7 @@
           <a:p>
             <a:fld id="{FF2D642A-CF50-47D2-A382-432681E960B9}" type="datetimeFigureOut">
               <a:rPr lang="pt-BR" smtClean="0"/>
-              <a:t>16/10/2019</a:t>
+              <a:t>23/10/2019</a:t>
             </a:fld>
             <a:endParaRPr lang="pt-BR"/>
           </a:p>
@@ -2355,7 +2356,7 @@
           <a:p>
             <a:fld id="{FF2D642A-CF50-47D2-A382-432681E960B9}" type="datetimeFigureOut">
               <a:rPr lang="pt-BR" smtClean="0"/>
-              <a:t>16/10/2019</a:t>
+              <a:t>23/10/2019</a:t>
             </a:fld>
             <a:endParaRPr lang="pt-BR"/>
           </a:p>
@@ -2568,7 +2569,7 @@
           <a:p>
             <a:fld id="{FF2D642A-CF50-47D2-A382-432681E960B9}" type="datetimeFigureOut">
               <a:rPr lang="pt-BR" smtClean="0"/>
-              <a:t>16/10/2019</a:t>
+              <a:t>23/10/2019</a:t>
             </a:fld>
             <a:endParaRPr lang="pt-BR"/>
           </a:p>
@@ -5751,6 +5752,2329 @@
 </p:sld>
 </file>
 
+<file path=ppt/slides/slide2.xml><?xml version="1.0" encoding="utf-8"?>
+<p:sld xmlns:a="http://schemas.openxmlformats.org/drawingml/2006/main" xmlns:r="http://schemas.openxmlformats.org/officeDocument/2006/relationships" xmlns:p="http://schemas.openxmlformats.org/presentationml/2006/main">
+  <p:cSld>
+    <p:spTree>
+      <p:nvGrpSpPr>
+        <p:cNvPr id="1" name=""/>
+        <p:cNvGrpSpPr/>
+        <p:nvPr/>
+      </p:nvGrpSpPr>
+      <p:grpSpPr>
+        <a:xfrm>
+          <a:off x="0" y="0"/>
+          <a:ext cx="0" cy="0"/>
+          <a:chOff x="0" y="0"/>
+          <a:chExt cx="0" cy="0"/>
+        </a:xfrm>
+      </p:grpSpPr>
+      <p:sp>
+        <p:nvSpPr>
+          <p:cNvPr id="13" name="Seta: Pentágono 12">
+            <a:extLst>
+              <a:ext uri="{FF2B5EF4-FFF2-40B4-BE49-F238E27FC236}">
+                <a16:creationId xmlns:a16="http://schemas.microsoft.com/office/drawing/2014/main" id="{32FDF822-6A55-48A1-A9B6-428CF0C60BE4}"/>
+              </a:ext>
+            </a:extLst>
+          </p:cNvPr>
+          <p:cNvSpPr/>
+          <p:nvPr/>
+        </p:nvSpPr>
+        <p:spPr>
+          <a:xfrm>
+            <a:off x="3353814" y="427458"/>
+            <a:ext cx="2044881" cy="807798"/>
+          </a:xfrm>
+          <a:prstGeom prst="homePlate">
+            <a:avLst/>
+          </a:prstGeom>
+          <a:ln>
+            <a:solidFill>
+              <a:schemeClr val="tx1"/>
+            </a:solidFill>
+          </a:ln>
+        </p:spPr>
+        <p:style>
+          <a:lnRef idx="2">
+            <a:schemeClr val="dk1">
+              <a:shade val="50000"/>
+            </a:schemeClr>
+          </a:lnRef>
+          <a:fillRef idx="1">
+            <a:schemeClr val="dk1"/>
+          </a:fillRef>
+          <a:effectRef idx="0">
+            <a:schemeClr val="dk1"/>
+          </a:effectRef>
+          <a:fontRef idx="minor">
+            <a:schemeClr val="lt1"/>
+          </a:fontRef>
+        </p:style>
+        <p:txBody>
+          <a:bodyPr rtlCol="0" anchor="ctr"/>
+          <a:lstStyle/>
+          <a:p>
+            <a:pPr algn="ctr"/>
+            <a:r>
+              <a:rPr lang="pt-BR" sz="1905" b="1" dirty="0"/>
+              <a:t>Tirar uma foto com os amigos</a:t>
+            </a:r>
+          </a:p>
+        </p:txBody>
+      </p:sp>
+      <p:sp>
+        <p:nvSpPr>
+          <p:cNvPr id="15" name="Seta: Pentágono 14">
+            <a:extLst>
+              <a:ext uri="{FF2B5EF4-FFF2-40B4-BE49-F238E27FC236}">
+                <a16:creationId xmlns:a16="http://schemas.microsoft.com/office/drawing/2014/main" id="{53A76FAD-FFA7-4853-98A6-DF1AF09B9D6B}"/>
+              </a:ext>
+            </a:extLst>
+          </p:cNvPr>
+          <p:cNvSpPr/>
+          <p:nvPr/>
+        </p:nvSpPr>
+        <p:spPr>
+          <a:xfrm>
+            <a:off x="7858493" y="427458"/>
+            <a:ext cx="2057499" cy="807798"/>
+          </a:xfrm>
+          <a:prstGeom prst="homePlate">
+            <a:avLst/>
+          </a:prstGeom>
+          <a:ln>
+            <a:solidFill>
+              <a:schemeClr val="tx1"/>
+            </a:solidFill>
+          </a:ln>
+        </p:spPr>
+        <p:style>
+          <a:lnRef idx="2">
+            <a:schemeClr val="dk1">
+              <a:shade val="50000"/>
+            </a:schemeClr>
+          </a:lnRef>
+          <a:fillRef idx="1">
+            <a:schemeClr val="dk1"/>
+          </a:fillRef>
+          <a:effectRef idx="0">
+            <a:schemeClr val="dk1"/>
+          </a:effectRef>
+          <a:fontRef idx="minor">
+            <a:schemeClr val="lt1"/>
+          </a:fontRef>
+        </p:style>
+        <p:txBody>
+          <a:bodyPr rtlCol="0" anchor="ctr"/>
+          <a:lstStyle/>
+          <a:p>
+            <a:pPr algn="ctr"/>
+            <a:r>
+              <a:rPr lang="pt-BR" sz="1905" b="1" dirty="0"/>
+              <a:t>Navegar nas redes sociais</a:t>
+            </a:r>
+          </a:p>
+        </p:txBody>
+      </p:sp>
+      <p:sp>
+        <p:nvSpPr>
+          <p:cNvPr id="16" name="Seta: Pentágono 15">
+            <a:extLst>
+              <a:ext uri="{FF2B5EF4-FFF2-40B4-BE49-F238E27FC236}">
+                <a16:creationId xmlns:a16="http://schemas.microsoft.com/office/drawing/2014/main" id="{26FBE8EE-1D90-486E-8901-056026644BB5}"/>
+              </a:ext>
+            </a:extLst>
+          </p:cNvPr>
+          <p:cNvSpPr/>
+          <p:nvPr/>
+        </p:nvSpPr>
+        <p:spPr>
+          <a:xfrm>
+            <a:off x="10139324" y="427458"/>
+            <a:ext cx="2183973" cy="807798"/>
+          </a:xfrm>
+          <a:prstGeom prst="homePlate">
+            <a:avLst/>
+          </a:prstGeom>
+          <a:ln>
+            <a:solidFill>
+              <a:schemeClr val="tx1"/>
+            </a:solidFill>
+          </a:ln>
+        </p:spPr>
+        <p:style>
+          <a:lnRef idx="2">
+            <a:schemeClr val="dk1">
+              <a:shade val="50000"/>
+            </a:schemeClr>
+          </a:lnRef>
+          <a:fillRef idx="1">
+            <a:schemeClr val="dk1"/>
+          </a:fillRef>
+          <a:effectRef idx="0">
+            <a:schemeClr val="dk1"/>
+          </a:effectRef>
+          <a:fontRef idx="minor">
+            <a:schemeClr val="lt1"/>
+          </a:fontRef>
+        </p:style>
+        <p:txBody>
+          <a:bodyPr rtlCol="0" anchor="ctr"/>
+          <a:lstStyle/>
+          <a:p>
+            <a:pPr algn="ctr"/>
+            <a:r>
+              <a:rPr lang="pt-BR" sz="1905" b="1" dirty="0"/>
+              <a:t>Postar foto</a:t>
+            </a:r>
+          </a:p>
+        </p:txBody>
+      </p:sp>
+      <p:grpSp>
+        <p:nvGrpSpPr>
+          <p:cNvPr id="4" name="Agrupar 3">
+            <a:extLst>
+              <a:ext uri="{FF2B5EF4-FFF2-40B4-BE49-F238E27FC236}">
+                <a16:creationId xmlns:a16="http://schemas.microsoft.com/office/drawing/2014/main" id="{F86C0462-63DD-4C86-BB05-9F77B5D125EF}"/>
+              </a:ext>
+            </a:extLst>
+          </p:cNvPr>
+          <p:cNvGrpSpPr/>
+          <p:nvPr/>
+        </p:nvGrpSpPr>
+        <p:grpSpPr>
+          <a:xfrm>
+            <a:off x="483103" y="415517"/>
+            <a:ext cx="2400372" cy="6032825"/>
+            <a:chOff x="225286" y="403775"/>
+            <a:chExt cx="2279374" cy="6258576"/>
+          </a:xfrm>
+        </p:grpSpPr>
+        <p:sp>
+          <p:nvSpPr>
+            <p:cNvPr id="8" name="Retângulo 7">
+              <a:extLst>
+                <a:ext uri="{FF2B5EF4-FFF2-40B4-BE49-F238E27FC236}">
+                  <a16:creationId xmlns:a16="http://schemas.microsoft.com/office/drawing/2014/main" id="{3937A928-56CA-42E5-B88F-78CBFEEF51C6}"/>
+                </a:ext>
+              </a:extLst>
+            </p:cNvPr>
+            <p:cNvSpPr/>
+            <p:nvPr/>
+          </p:nvSpPr>
+          <p:spPr>
+            <a:xfrm>
+              <a:off x="225286" y="2558083"/>
+              <a:ext cx="2279374" cy="848139"/>
+            </a:xfrm>
+            <a:prstGeom prst="rect">
+              <a:avLst/>
+            </a:prstGeom>
+            <a:ln>
+              <a:solidFill>
+                <a:schemeClr val="tx1"/>
+              </a:solidFill>
+            </a:ln>
+          </p:spPr>
+          <p:style>
+            <a:lnRef idx="2">
+              <a:schemeClr val="dk1">
+                <a:shade val="50000"/>
+              </a:schemeClr>
+            </a:lnRef>
+            <a:fillRef idx="1">
+              <a:schemeClr val="dk1"/>
+            </a:fillRef>
+            <a:effectRef idx="0">
+              <a:schemeClr val="dk1"/>
+            </a:effectRef>
+            <a:fontRef idx="minor">
+              <a:schemeClr val="lt1"/>
+            </a:fontRef>
+          </p:style>
+          <p:txBody>
+            <a:bodyPr rtlCol="0" anchor="ctr"/>
+            <a:lstStyle/>
+            <a:p>
+              <a:pPr algn="ctr"/>
+              <a:endParaRPr lang="pt-BR" sz="1714" dirty="0"/>
+            </a:p>
+          </p:txBody>
+        </p:sp>
+        <p:sp>
+          <p:nvSpPr>
+            <p:cNvPr id="9" name="Retângulo 8">
+              <a:extLst>
+                <a:ext uri="{FF2B5EF4-FFF2-40B4-BE49-F238E27FC236}">
+                  <a16:creationId xmlns:a16="http://schemas.microsoft.com/office/drawing/2014/main" id="{DAD7799D-D5B1-4C8D-B5EC-F624FB76B000}"/>
+                </a:ext>
+              </a:extLst>
+            </p:cNvPr>
+            <p:cNvSpPr/>
+            <p:nvPr/>
+          </p:nvSpPr>
+          <p:spPr>
+            <a:xfrm>
+              <a:off x="225286" y="1480929"/>
+              <a:ext cx="2279374" cy="848139"/>
+            </a:xfrm>
+            <a:prstGeom prst="rect">
+              <a:avLst/>
+            </a:prstGeom>
+            <a:ln>
+              <a:solidFill>
+                <a:schemeClr val="tx1"/>
+              </a:solidFill>
+            </a:ln>
+          </p:spPr>
+          <p:style>
+            <a:lnRef idx="2">
+              <a:schemeClr val="dk1">
+                <a:shade val="50000"/>
+              </a:schemeClr>
+            </a:lnRef>
+            <a:fillRef idx="1">
+              <a:schemeClr val="dk1"/>
+            </a:fillRef>
+            <a:effectRef idx="0">
+              <a:schemeClr val="dk1"/>
+            </a:effectRef>
+            <a:fontRef idx="minor">
+              <a:schemeClr val="lt1"/>
+            </a:fontRef>
+          </p:style>
+          <p:txBody>
+            <a:bodyPr rtlCol="0" anchor="ctr"/>
+            <a:lstStyle/>
+            <a:p>
+              <a:pPr algn="ctr"/>
+              <a:endParaRPr lang="pt-BR" sz="1714"/>
+            </a:p>
+          </p:txBody>
+        </p:sp>
+        <p:sp>
+          <p:nvSpPr>
+            <p:cNvPr id="10" name="Retângulo 9">
+              <a:extLst>
+                <a:ext uri="{FF2B5EF4-FFF2-40B4-BE49-F238E27FC236}">
+                  <a16:creationId xmlns:a16="http://schemas.microsoft.com/office/drawing/2014/main" id="{BAF3FC1B-0B3D-44C8-B1A0-E7E93BE5AD1A}"/>
+                </a:ext>
+              </a:extLst>
+            </p:cNvPr>
+            <p:cNvSpPr/>
+            <p:nvPr/>
+          </p:nvSpPr>
+          <p:spPr>
+            <a:xfrm>
+              <a:off x="225286" y="4689614"/>
+              <a:ext cx="2279374" cy="848139"/>
+            </a:xfrm>
+            <a:prstGeom prst="rect">
+              <a:avLst/>
+            </a:prstGeom>
+            <a:ln>
+              <a:solidFill>
+                <a:schemeClr val="tx1"/>
+              </a:solidFill>
+            </a:ln>
+          </p:spPr>
+          <p:style>
+            <a:lnRef idx="2">
+              <a:schemeClr val="dk1">
+                <a:shade val="50000"/>
+              </a:schemeClr>
+            </a:lnRef>
+            <a:fillRef idx="1">
+              <a:schemeClr val="dk1"/>
+            </a:fillRef>
+            <a:effectRef idx="0">
+              <a:schemeClr val="dk1"/>
+            </a:effectRef>
+            <a:fontRef idx="minor">
+              <a:schemeClr val="lt1"/>
+            </a:fontRef>
+          </p:style>
+          <p:txBody>
+            <a:bodyPr rtlCol="0" anchor="ctr"/>
+            <a:lstStyle/>
+            <a:p>
+              <a:pPr algn="ctr"/>
+              <a:endParaRPr lang="pt-BR" sz="1714" dirty="0"/>
+            </a:p>
+          </p:txBody>
+        </p:sp>
+        <p:sp>
+          <p:nvSpPr>
+            <p:cNvPr id="11" name="Retângulo 10">
+              <a:extLst>
+                <a:ext uri="{FF2B5EF4-FFF2-40B4-BE49-F238E27FC236}">
+                  <a16:creationId xmlns:a16="http://schemas.microsoft.com/office/drawing/2014/main" id="{35456E90-DC29-47A0-9E8A-9A27552DB592}"/>
+                </a:ext>
+              </a:extLst>
+            </p:cNvPr>
+            <p:cNvSpPr/>
+            <p:nvPr/>
+          </p:nvSpPr>
+          <p:spPr>
+            <a:xfrm>
+              <a:off x="225286" y="5789134"/>
+              <a:ext cx="2279374" cy="873217"/>
+            </a:xfrm>
+            <a:prstGeom prst="rect">
+              <a:avLst/>
+            </a:prstGeom>
+            <a:ln>
+              <a:solidFill>
+                <a:schemeClr val="tx1"/>
+              </a:solidFill>
+            </a:ln>
+          </p:spPr>
+          <p:style>
+            <a:lnRef idx="2">
+              <a:schemeClr val="dk1">
+                <a:shade val="50000"/>
+              </a:schemeClr>
+            </a:lnRef>
+            <a:fillRef idx="1">
+              <a:schemeClr val="dk1"/>
+            </a:fillRef>
+            <a:effectRef idx="0">
+              <a:schemeClr val="dk1"/>
+            </a:effectRef>
+            <a:fontRef idx="minor">
+              <a:schemeClr val="lt1"/>
+            </a:fontRef>
+          </p:style>
+          <p:txBody>
+            <a:bodyPr rtlCol="0" anchor="ctr"/>
+            <a:lstStyle/>
+            <a:p>
+              <a:pPr algn="ctr"/>
+              <a:endParaRPr lang="pt-BR" sz="1714" dirty="0"/>
+            </a:p>
+          </p:txBody>
+        </p:sp>
+        <p:sp>
+          <p:nvSpPr>
+            <p:cNvPr id="12" name="Retângulo 11">
+              <a:extLst>
+                <a:ext uri="{FF2B5EF4-FFF2-40B4-BE49-F238E27FC236}">
+                  <a16:creationId xmlns:a16="http://schemas.microsoft.com/office/drawing/2014/main" id="{CA171ACD-0989-4F59-AAB1-F2372244591D}"/>
+                </a:ext>
+              </a:extLst>
+            </p:cNvPr>
+            <p:cNvSpPr/>
+            <p:nvPr/>
+          </p:nvSpPr>
+          <p:spPr>
+            <a:xfrm>
+              <a:off x="225286" y="3635237"/>
+              <a:ext cx="2279374" cy="848139"/>
+            </a:xfrm>
+            <a:prstGeom prst="rect">
+              <a:avLst/>
+            </a:prstGeom>
+            <a:ln>
+              <a:solidFill>
+                <a:schemeClr val="tx1"/>
+              </a:solidFill>
+            </a:ln>
+          </p:spPr>
+          <p:style>
+            <a:lnRef idx="2">
+              <a:schemeClr val="dk1">
+                <a:shade val="50000"/>
+              </a:schemeClr>
+            </a:lnRef>
+            <a:fillRef idx="1">
+              <a:schemeClr val="dk1"/>
+            </a:fillRef>
+            <a:effectRef idx="0">
+              <a:schemeClr val="dk1"/>
+            </a:effectRef>
+            <a:fontRef idx="minor">
+              <a:schemeClr val="lt1"/>
+            </a:fontRef>
+          </p:style>
+          <p:txBody>
+            <a:bodyPr rtlCol="0" anchor="ctr"/>
+            <a:lstStyle/>
+            <a:p>
+              <a:pPr algn="ctr"/>
+              <a:endParaRPr lang="pt-BR" sz="1714" dirty="0"/>
+            </a:p>
+          </p:txBody>
+        </p:sp>
+        <p:grpSp>
+          <p:nvGrpSpPr>
+            <p:cNvPr id="3" name="Agrupar 2">
+              <a:extLst>
+                <a:ext uri="{FF2B5EF4-FFF2-40B4-BE49-F238E27FC236}">
+                  <a16:creationId xmlns:a16="http://schemas.microsoft.com/office/drawing/2014/main" id="{31F88ECB-5FC6-4039-B5D8-F0E4CF9FD986}"/>
+                </a:ext>
+              </a:extLst>
+            </p:cNvPr>
+            <p:cNvGrpSpPr/>
+            <p:nvPr/>
+          </p:nvGrpSpPr>
+          <p:grpSpPr>
+            <a:xfrm>
+              <a:off x="225286" y="403775"/>
+              <a:ext cx="2279374" cy="848139"/>
+              <a:chOff x="225286" y="403775"/>
+              <a:chExt cx="2279374" cy="848139"/>
+            </a:xfrm>
+          </p:grpSpPr>
+          <p:sp>
+            <p:nvSpPr>
+              <p:cNvPr id="2" name="Retângulo 1">
+                <a:extLst>
+                  <a:ext uri="{FF2B5EF4-FFF2-40B4-BE49-F238E27FC236}">
+                    <a16:creationId xmlns:a16="http://schemas.microsoft.com/office/drawing/2014/main" id="{9E39DC9C-3ADA-41BB-99B9-EB22FA6A646F}"/>
+                  </a:ext>
+                </a:extLst>
+              </p:cNvPr>
+              <p:cNvSpPr/>
+              <p:nvPr/>
+            </p:nvSpPr>
+            <p:spPr>
+              <a:xfrm>
+                <a:off x="225286" y="403775"/>
+                <a:ext cx="2279374" cy="848139"/>
+              </a:xfrm>
+              <a:prstGeom prst="rect">
+                <a:avLst/>
+              </a:prstGeom>
+              <a:ln>
+                <a:solidFill>
+                  <a:schemeClr val="tx1"/>
+                </a:solidFill>
+              </a:ln>
+            </p:spPr>
+            <p:style>
+              <a:lnRef idx="2">
+                <a:schemeClr val="dk1">
+                  <a:shade val="50000"/>
+                </a:schemeClr>
+              </a:lnRef>
+              <a:fillRef idx="1">
+                <a:schemeClr val="dk1"/>
+              </a:fillRef>
+              <a:effectRef idx="0">
+                <a:schemeClr val="dk1"/>
+              </a:effectRef>
+              <a:fontRef idx="minor">
+                <a:schemeClr val="lt1"/>
+              </a:fontRef>
+            </p:style>
+            <p:txBody>
+              <a:bodyPr rtlCol="0" anchor="ctr"/>
+              <a:lstStyle/>
+              <a:p>
+                <a:pPr algn="ctr"/>
+                <a:endParaRPr lang="pt-BR" sz="1714"/>
+              </a:p>
+            </p:txBody>
+          </p:sp>
+          <p:sp>
+            <p:nvSpPr>
+              <p:cNvPr id="17" name="CaixaDeTexto 16">
+                <a:extLst>
+                  <a:ext uri="{FF2B5EF4-FFF2-40B4-BE49-F238E27FC236}">
+                    <a16:creationId xmlns:a16="http://schemas.microsoft.com/office/drawing/2014/main" id="{417A5CE7-A525-42C1-A95C-C1B91DB647E1}"/>
+                  </a:ext>
+                </a:extLst>
+              </p:cNvPr>
+              <p:cNvSpPr txBox="1"/>
+              <p:nvPr/>
+            </p:nvSpPr>
+            <p:spPr>
+              <a:xfrm>
+                <a:off x="225287" y="504678"/>
+                <a:ext cx="2279373" cy="638624"/>
+              </a:xfrm>
+              <a:prstGeom prst="rect">
+                <a:avLst/>
+              </a:prstGeom>
+              <a:noFill/>
+            </p:spPr>
+            <p:txBody>
+              <a:bodyPr wrap="square" rtlCol="0">
+                <a:spAutoFit/>
+              </a:bodyPr>
+              <a:lstStyle/>
+              <a:p>
+                <a:pPr algn="ctr"/>
+                <a:r>
+                  <a:rPr lang="pt-BR" sz="1714" b="1" dirty="0">
+                    <a:solidFill>
+                      <a:schemeClr val="bg1"/>
+                    </a:solidFill>
+                  </a:rPr>
+                  <a:t>Fases</a:t>
+                </a:r>
+              </a:p>
+              <a:p>
+                <a:pPr algn="ctr"/>
+                <a:r>
+                  <a:rPr lang="pt-BR" sz="1714" b="1" dirty="0">
+                    <a:solidFill>
+                      <a:schemeClr val="bg1"/>
+                    </a:solidFill>
+                  </a:rPr>
+                  <a:t>(utilizador)</a:t>
+                </a:r>
+              </a:p>
+            </p:txBody>
+          </p:sp>
+        </p:grpSp>
+        <p:sp>
+          <p:nvSpPr>
+            <p:cNvPr id="18" name="CaixaDeTexto 17">
+              <a:extLst>
+                <a:ext uri="{FF2B5EF4-FFF2-40B4-BE49-F238E27FC236}">
+                  <a16:creationId xmlns:a16="http://schemas.microsoft.com/office/drawing/2014/main" id="{13CBE055-024A-4303-B44A-8986F280B415}"/>
+                </a:ext>
+              </a:extLst>
+            </p:cNvPr>
+            <p:cNvSpPr txBox="1"/>
+            <p:nvPr/>
+          </p:nvSpPr>
+          <p:spPr>
+            <a:xfrm>
+              <a:off x="225286" y="1581832"/>
+              <a:ext cx="2279374" cy="638624"/>
+            </a:xfrm>
+            <a:prstGeom prst="rect">
+              <a:avLst/>
+            </a:prstGeom>
+            <a:noFill/>
+          </p:spPr>
+          <p:txBody>
+            <a:bodyPr wrap="square" rtlCol="0">
+              <a:spAutoFit/>
+            </a:bodyPr>
+            <a:lstStyle/>
+            <a:p>
+              <a:pPr algn="ctr"/>
+              <a:r>
+                <a:rPr lang="pt-BR" sz="1714" b="1" dirty="0">
+                  <a:solidFill>
+                    <a:schemeClr val="bg1"/>
+                  </a:solidFill>
+                </a:rPr>
+                <a:t>Faz</a:t>
+              </a:r>
+            </a:p>
+            <a:p>
+              <a:pPr algn="ctr"/>
+              <a:r>
+                <a:rPr lang="pt-BR" sz="1714" b="1" dirty="0">
+                  <a:solidFill>
+                    <a:schemeClr val="bg1"/>
+                  </a:solidFill>
+                </a:rPr>
+                <a:t>(ações do usuário)</a:t>
+              </a:r>
+              <a:r>
+                <a:rPr lang="pt-BR" sz="1714" dirty="0"/>
+                <a:t>)</a:t>
+              </a:r>
+            </a:p>
+          </p:txBody>
+        </p:sp>
+        <p:sp>
+          <p:nvSpPr>
+            <p:cNvPr id="19" name="CaixaDeTexto 18">
+              <a:extLst>
+                <a:ext uri="{FF2B5EF4-FFF2-40B4-BE49-F238E27FC236}">
+                  <a16:creationId xmlns:a16="http://schemas.microsoft.com/office/drawing/2014/main" id="{3C759A9E-FFAB-4B3D-974D-E57CAD5C12A7}"/>
+                </a:ext>
+              </a:extLst>
+            </p:cNvPr>
+            <p:cNvSpPr txBox="1"/>
+            <p:nvPr/>
+          </p:nvSpPr>
+          <p:spPr>
+            <a:xfrm>
+              <a:off x="225287" y="2658986"/>
+              <a:ext cx="2279373" cy="638624"/>
+            </a:xfrm>
+            <a:prstGeom prst="rect">
+              <a:avLst/>
+            </a:prstGeom>
+            <a:noFill/>
+          </p:spPr>
+          <p:txBody>
+            <a:bodyPr wrap="square" rtlCol="0">
+              <a:spAutoFit/>
+            </a:bodyPr>
+            <a:lstStyle/>
+            <a:p>
+              <a:pPr algn="ctr"/>
+              <a:r>
+                <a:rPr lang="pt-BR" sz="1714" b="1" dirty="0">
+                  <a:solidFill>
+                    <a:schemeClr val="bg1"/>
+                  </a:solidFill>
+                </a:rPr>
+                <a:t>Sente</a:t>
+              </a:r>
+            </a:p>
+            <a:p>
+              <a:pPr algn="ctr"/>
+              <a:r>
+                <a:rPr lang="pt-BR" sz="1714" b="1" dirty="0">
+                  <a:solidFill>
+                    <a:schemeClr val="bg1"/>
+                  </a:solidFill>
+                </a:rPr>
+                <a:t>(dores do usuário)</a:t>
+              </a:r>
+            </a:p>
+          </p:txBody>
+        </p:sp>
+        <p:sp>
+          <p:nvSpPr>
+            <p:cNvPr id="20" name="CaixaDeTexto 19">
+              <a:extLst>
+                <a:ext uri="{FF2B5EF4-FFF2-40B4-BE49-F238E27FC236}">
+                  <a16:creationId xmlns:a16="http://schemas.microsoft.com/office/drawing/2014/main" id="{F35A2F5E-749F-4581-B2BB-6C472F70F973}"/>
+                </a:ext>
+              </a:extLst>
+            </p:cNvPr>
+            <p:cNvSpPr txBox="1"/>
+            <p:nvPr/>
+          </p:nvSpPr>
+          <p:spPr>
+            <a:xfrm>
+              <a:off x="225286" y="3736140"/>
+              <a:ext cx="2279374" cy="638624"/>
+            </a:xfrm>
+            <a:prstGeom prst="rect">
+              <a:avLst/>
+            </a:prstGeom>
+            <a:noFill/>
+          </p:spPr>
+          <p:txBody>
+            <a:bodyPr wrap="square" rtlCol="0">
+              <a:spAutoFit/>
+            </a:bodyPr>
+            <a:lstStyle/>
+            <a:p>
+              <a:pPr algn="ctr"/>
+              <a:r>
+                <a:rPr lang="pt-BR" sz="1714" b="1" dirty="0">
+                  <a:solidFill>
+                    <a:schemeClr val="bg1"/>
+                  </a:solidFill>
+                </a:rPr>
+                <a:t>Pensa</a:t>
+              </a:r>
+            </a:p>
+            <a:p>
+              <a:pPr algn="ctr"/>
+              <a:r>
+                <a:rPr lang="pt-BR" sz="1714" b="1" dirty="0">
+                  <a:solidFill>
+                    <a:schemeClr val="bg1"/>
+                  </a:solidFill>
+                </a:rPr>
+                <a:t>(usuário)</a:t>
+              </a:r>
+            </a:p>
+          </p:txBody>
+        </p:sp>
+        <p:sp>
+          <p:nvSpPr>
+            <p:cNvPr id="21" name="CaixaDeTexto 20">
+              <a:extLst>
+                <a:ext uri="{FF2B5EF4-FFF2-40B4-BE49-F238E27FC236}">
+                  <a16:creationId xmlns:a16="http://schemas.microsoft.com/office/drawing/2014/main" id="{F5EF65A0-DBB8-4011-B08A-209301F8E548}"/>
+                </a:ext>
+              </a:extLst>
+            </p:cNvPr>
+            <p:cNvSpPr txBox="1"/>
+            <p:nvPr/>
+          </p:nvSpPr>
+          <p:spPr>
+            <a:xfrm>
+              <a:off x="225286" y="4790517"/>
+              <a:ext cx="2279374" cy="638624"/>
+            </a:xfrm>
+            <a:prstGeom prst="rect">
+              <a:avLst/>
+            </a:prstGeom>
+            <a:noFill/>
+          </p:spPr>
+          <p:txBody>
+            <a:bodyPr wrap="square" rtlCol="0">
+              <a:spAutoFit/>
+            </a:bodyPr>
+            <a:lstStyle/>
+            <a:p>
+              <a:pPr algn="ctr"/>
+              <a:r>
+                <a:rPr lang="pt-BR" sz="1714" b="1" dirty="0">
+                  <a:solidFill>
+                    <a:schemeClr val="bg1"/>
+                  </a:solidFill>
+                </a:rPr>
+                <a:t>Canal</a:t>
+              </a:r>
+            </a:p>
+            <a:p>
+              <a:pPr algn="ctr"/>
+              <a:r>
+                <a:rPr lang="pt-BR" sz="1714" b="1" dirty="0">
+                  <a:solidFill>
+                    <a:schemeClr val="bg1"/>
+                  </a:solidFill>
+                </a:rPr>
+                <a:t>(ponto de contato)</a:t>
+              </a:r>
+            </a:p>
+          </p:txBody>
+        </p:sp>
+        <p:sp>
+          <p:nvSpPr>
+            <p:cNvPr id="22" name="CaixaDeTexto 21">
+              <a:extLst>
+                <a:ext uri="{FF2B5EF4-FFF2-40B4-BE49-F238E27FC236}">
+                  <a16:creationId xmlns:a16="http://schemas.microsoft.com/office/drawing/2014/main" id="{18DC1961-AB64-46D7-A313-33FA3C02A399}"/>
+                </a:ext>
+              </a:extLst>
+            </p:cNvPr>
+            <p:cNvSpPr txBox="1"/>
+            <p:nvPr/>
+          </p:nvSpPr>
+          <p:spPr>
+            <a:xfrm>
+              <a:off x="225286" y="5878506"/>
+              <a:ext cx="2279374" cy="638624"/>
+            </a:xfrm>
+            <a:prstGeom prst="rect">
+              <a:avLst/>
+            </a:prstGeom>
+            <a:noFill/>
+          </p:spPr>
+          <p:txBody>
+            <a:bodyPr wrap="square" rtlCol="0">
+              <a:spAutoFit/>
+            </a:bodyPr>
+            <a:lstStyle/>
+            <a:p>
+              <a:pPr algn="ctr"/>
+              <a:r>
+                <a:rPr lang="pt-BR" sz="1714" b="1" dirty="0">
+                  <a:solidFill>
+                    <a:schemeClr val="bg1"/>
+                  </a:solidFill>
+                </a:rPr>
+                <a:t>Proposta</a:t>
+              </a:r>
+            </a:p>
+            <a:p>
+              <a:pPr algn="ctr"/>
+              <a:r>
+                <a:rPr lang="pt-BR" sz="1714" b="1" dirty="0">
+                  <a:solidFill>
+                    <a:schemeClr val="bg1"/>
+                  </a:solidFill>
+                </a:rPr>
+                <a:t>(mudanças)</a:t>
+              </a:r>
+            </a:p>
+          </p:txBody>
+        </p:sp>
+      </p:grpSp>
+      <p:sp>
+        <p:nvSpPr>
+          <p:cNvPr id="27" name="Retângulo 26">
+            <a:extLst>
+              <a:ext uri="{FF2B5EF4-FFF2-40B4-BE49-F238E27FC236}">
+                <a16:creationId xmlns:a16="http://schemas.microsoft.com/office/drawing/2014/main" id="{2BB41410-3960-4FF6-9CC0-E66FDB08BB10}"/>
+              </a:ext>
+            </a:extLst>
+          </p:cNvPr>
+          <p:cNvSpPr/>
+          <p:nvPr/>
+        </p:nvSpPr>
+        <p:spPr>
+          <a:xfrm>
+            <a:off x="3288268" y="1497811"/>
+            <a:ext cx="2044932" cy="831683"/>
+          </a:xfrm>
+          <a:prstGeom prst="rect">
+            <a:avLst/>
+          </a:prstGeom>
+          <a:solidFill>
+            <a:srgbClr val="FFC000"/>
+          </a:solidFill>
+          <a:ln>
+            <a:noFill/>
+          </a:ln>
+          <a:effectLst>
+            <a:outerShdw blurRad="25400" dist="38100" dir="5400000" algn="t" rotWithShape="0">
+              <a:schemeClr val="bg1">
+                <a:lumMod val="85000"/>
+                <a:alpha val="40000"/>
+              </a:schemeClr>
+            </a:outerShdw>
+          </a:effectLst>
+        </p:spPr>
+        <p:style>
+          <a:lnRef idx="2">
+            <a:schemeClr val="accent1">
+              <a:shade val="50000"/>
+            </a:schemeClr>
+          </a:lnRef>
+          <a:fillRef idx="1">
+            <a:schemeClr val="accent1"/>
+          </a:fillRef>
+          <a:effectRef idx="0">
+            <a:schemeClr val="accent1"/>
+          </a:effectRef>
+          <a:fontRef idx="minor">
+            <a:schemeClr val="lt1"/>
+          </a:fontRef>
+        </p:style>
+        <p:txBody>
+          <a:bodyPr rtlCol="0" anchor="ctr"/>
+          <a:lstStyle/>
+          <a:p>
+            <a:pPr algn="ctr" defTabSz="1095129"/>
+            <a:r>
+              <a:rPr lang="pt-BR" sz="1333" dirty="0">
+                <a:solidFill>
+                  <a:schemeClr val="tx1"/>
+                </a:solidFill>
+                <a:latin typeface="MV Boli" panose="02000500030200090000" pitchFamily="2" charset="0"/>
+                <a:cs typeface="MV Boli" panose="02000500030200090000" pitchFamily="2" charset="0"/>
+              </a:rPr>
+              <a:t>Tira uma foto com os amigos para registar um momento especial de um dia importante</a:t>
+            </a:r>
+          </a:p>
+        </p:txBody>
+      </p:sp>
+      <p:sp>
+        <p:nvSpPr>
+          <p:cNvPr id="28" name="Retângulo 27">
+            <a:extLst>
+              <a:ext uri="{FF2B5EF4-FFF2-40B4-BE49-F238E27FC236}">
+                <a16:creationId xmlns:a16="http://schemas.microsoft.com/office/drawing/2014/main" id="{1D32E12A-3880-4A7B-8FBC-3712322875B4}"/>
+              </a:ext>
+            </a:extLst>
+          </p:cNvPr>
+          <p:cNvSpPr/>
+          <p:nvPr/>
+        </p:nvSpPr>
+        <p:spPr>
+          <a:xfrm>
+            <a:off x="10139021" y="1465759"/>
+            <a:ext cx="2184277" cy="831683"/>
+          </a:xfrm>
+          <a:prstGeom prst="rect">
+            <a:avLst/>
+          </a:prstGeom>
+          <a:solidFill>
+            <a:schemeClr val="accent6">
+              <a:lumMod val="75000"/>
+            </a:schemeClr>
+          </a:solidFill>
+          <a:ln>
+            <a:noFill/>
+          </a:ln>
+          <a:effectLst>
+            <a:outerShdw blurRad="25400" dist="38100" dir="5400000" algn="t" rotWithShape="0">
+              <a:schemeClr val="bg1">
+                <a:lumMod val="85000"/>
+                <a:alpha val="40000"/>
+              </a:schemeClr>
+            </a:outerShdw>
+          </a:effectLst>
+        </p:spPr>
+        <p:style>
+          <a:lnRef idx="2">
+            <a:schemeClr val="accent1">
+              <a:shade val="50000"/>
+            </a:schemeClr>
+          </a:lnRef>
+          <a:fillRef idx="1">
+            <a:schemeClr val="accent1"/>
+          </a:fillRef>
+          <a:effectRef idx="0">
+            <a:schemeClr val="accent1"/>
+          </a:effectRef>
+          <a:fontRef idx="minor">
+            <a:schemeClr val="lt1"/>
+          </a:fontRef>
+        </p:style>
+        <p:txBody>
+          <a:bodyPr rtlCol="0" anchor="ctr"/>
+          <a:lstStyle/>
+          <a:p>
+            <a:pPr algn="ctr" defTabSz="1095129"/>
+            <a:r>
+              <a:rPr lang="pt-BR" sz="1333" dirty="0">
+                <a:solidFill>
+                  <a:schemeClr val="tx1"/>
+                </a:solidFill>
+                <a:latin typeface="MV Boli" panose="02000500030200090000" pitchFamily="2" charset="0"/>
+                <a:cs typeface="MV Boli" panose="02000500030200090000" pitchFamily="2" charset="0"/>
+              </a:rPr>
+              <a:t>Edita a foto, pensa em uma legenda e posta a foto com seus amigos</a:t>
+            </a:r>
+          </a:p>
+        </p:txBody>
+      </p:sp>
+      <p:sp>
+        <p:nvSpPr>
+          <p:cNvPr id="29" name="Retângulo 28">
+            <a:extLst>
+              <a:ext uri="{FF2B5EF4-FFF2-40B4-BE49-F238E27FC236}">
+                <a16:creationId xmlns:a16="http://schemas.microsoft.com/office/drawing/2014/main" id="{113010C9-1660-4B9B-B211-2EBB380C53DC}"/>
+              </a:ext>
+            </a:extLst>
+          </p:cNvPr>
+          <p:cNvSpPr/>
+          <p:nvPr/>
+        </p:nvSpPr>
+        <p:spPr>
+          <a:xfrm>
+            <a:off x="7858494" y="1465758"/>
+            <a:ext cx="2057498" cy="831684"/>
+          </a:xfrm>
+          <a:prstGeom prst="rect">
+            <a:avLst/>
+          </a:prstGeom>
+          <a:solidFill>
+            <a:schemeClr val="accent5"/>
+          </a:solidFill>
+          <a:ln>
+            <a:noFill/>
+          </a:ln>
+          <a:effectLst>
+            <a:outerShdw blurRad="25400" dist="38100" dir="5400000" algn="t" rotWithShape="0">
+              <a:schemeClr val="bg1">
+                <a:lumMod val="85000"/>
+                <a:alpha val="40000"/>
+              </a:schemeClr>
+            </a:outerShdw>
+          </a:effectLst>
+        </p:spPr>
+        <p:style>
+          <a:lnRef idx="2">
+            <a:schemeClr val="accent1">
+              <a:shade val="50000"/>
+            </a:schemeClr>
+          </a:lnRef>
+          <a:fillRef idx="1">
+            <a:schemeClr val="accent1"/>
+          </a:fillRef>
+          <a:effectRef idx="0">
+            <a:schemeClr val="accent1"/>
+          </a:effectRef>
+          <a:fontRef idx="minor">
+            <a:schemeClr val="lt1"/>
+          </a:fontRef>
+        </p:style>
+        <p:txBody>
+          <a:bodyPr rtlCol="0" anchor="ctr"/>
+          <a:lstStyle/>
+          <a:p>
+            <a:pPr algn="ctr" defTabSz="1095129"/>
+            <a:r>
+              <a:rPr lang="pt-BR" sz="1333" dirty="0">
+                <a:solidFill>
+                  <a:schemeClr val="tx1"/>
+                </a:solidFill>
+                <a:latin typeface="MV Boli" panose="02000500030200090000" pitchFamily="2" charset="0"/>
+                <a:cs typeface="MV Boli" panose="02000500030200090000" pitchFamily="2" charset="0"/>
+              </a:rPr>
+              <a:t>Vê os posts dos outros, que seguem um padrão inalcançável imposto pela sociedade</a:t>
+            </a:r>
+          </a:p>
+        </p:txBody>
+      </p:sp>
+      <p:sp>
+        <p:nvSpPr>
+          <p:cNvPr id="23" name="Retângulo 22">
+            <a:extLst>
+              <a:ext uri="{FF2B5EF4-FFF2-40B4-BE49-F238E27FC236}">
+                <a16:creationId xmlns:a16="http://schemas.microsoft.com/office/drawing/2014/main" id="{14AA5C0C-D865-4E7E-9929-4353147D2DDB}"/>
+              </a:ext>
+            </a:extLst>
+          </p:cNvPr>
+          <p:cNvSpPr/>
+          <p:nvPr/>
+        </p:nvSpPr>
+        <p:spPr>
+          <a:xfrm>
+            <a:off x="3288319" y="3516281"/>
+            <a:ext cx="2044881" cy="831683"/>
+          </a:xfrm>
+          <a:prstGeom prst="rect">
+            <a:avLst/>
+          </a:prstGeom>
+          <a:solidFill>
+            <a:srgbClr val="FFC000"/>
+          </a:solidFill>
+          <a:ln>
+            <a:noFill/>
+          </a:ln>
+          <a:effectLst>
+            <a:outerShdw blurRad="25400" dist="38100" dir="5400000" algn="t" rotWithShape="0">
+              <a:schemeClr val="bg1">
+                <a:lumMod val="85000"/>
+                <a:alpha val="40000"/>
+              </a:schemeClr>
+            </a:outerShdw>
+          </a:effectLst>
+        </p:spPr>
+        <p:style>
+          <a:lnRef idx="2">
+            <a:schemeClr val="accent1">
+              <a:shade val="50000"/>
+            </a:schemeClr>
+          </a:lnRef>
+          <a:fillRef idx="1">
+            <a:schemeClr val="accent1"/>
+          </a:fillRef>
+          <a:effectRef idx="0">
+            <a:schemeClr val="accent1"/>
+          </a:effectRef>
+          <a:fontRef idx="minor">
+            <a:schemeClr val="lt1"/>
+          </a:fontRef>
+        </p:style>
+        <p:txBody>
+          <a:bodyPr rtlCol="0" anchor="ctr"/>
+          <a:lstStyle/>
+          <a:p>
+            <a:pPr algn="ctr" defTabSz="1095129"/>
+            <a:r>
+              <a:rPr lang="pt-BR" sz="1333" dirty="0">
+                <a:solidFill>
+                  <a:schemeClr val="tx1"/>
+                </a:solidFill>
+                <a:latin typeface="MV Boli" panose="02000500030200090000" pitchFamily="2" charset="0"/>
+                <a:cs typeface="MV Boli" panose="02000500030200090000" pitchFamily="2" charset="0"/>
+              </a:rPr>
+              <a:t>Que dia incrível! Vamos registrar esse momento, não quero esquecer nunca!</a:t>
+            </a:r>
+          </a:p>
+        </p:txBody>
+      </p:sp>
+      <p:sp>
+        <p:nvSpPr>
+          <p:cNvPr id="24" name="Retângulo 23">
+            <a:extLst>
+              <a:ext uri="{FF2B5EF4-FFF2-40B4-BE49-F238E27FC236}">
+                <a16:creationId xmlns:a16="http://schemas.microsoft.com/office/drawing/2014/main" id="{9C5B5CBA-DD54-44CB-A390-970D59BF0889}"/>
+              </a:ext>
+            </a:extLst>
+          </p:cNvPr>
+          <p:cNvSpPr/>
+          <p:nvPr/>
+        </p:nvSpPr>
+        <p:spPr>
+          <a:xfrm>
+            <a:off x="3288319" y="4561452"/>
+            <a:ext cx="2044881" cy="831683"/>
+          </a:xfrm>
+          <a:prstGeom prst="rect">
+            <a:avLst/>
+          </a:prstGeom>
+          <a:solidFill>
+            <a:srgbClr val="FFC000"/>
+          </a:solidFill>
+          <a:ln>
+            <a:noFill/>
+          </a:ln>
+          <a:effectLst>
+            <a:outerShdw blurRad="25400" dist="38100" dir="5400000" algn="t" rotWithShape="0">
+              <a:schemeClr val="bg1">
+                <a:lumMod val="85000"/>
+                <a:alpha val="40000"/>
+              </a:schemeClr>
+            </a:outerShdw>
+          </a:effectLst>
+        </p:spPr>
+        <p:style>
+          <a:lnRef idx="2">
+            <a:schemeClr val="accent1">
+              <a:shade val="50000"/>
+            </a:schemeClr>
+          </a:lnRef>
+          <a:fillRef idx="1">
+            <a:schemeClr val="accent1"/>
+          </a:fillRef>
+          <a:effectRef idx="0">
+            <a:schemeClr val="accent1"/>
+          </a:effectRef>
+          <a:fontRef idx="minor">
+            <a:schemeClr val="lt1"/>
+          </a:fontRef>
+        </p:style>
+        <p:txBody>
+          <a:bodyPr rtlCol="0" anchor="ctr"/>
+          <a:lstStyle/>
+          <a:p>
+            <a:pPr algn="ctr"/>
+            <a:r>
+              <a:rPr lang="pt-BR" sz="1400" dirty="0">
+                <a:solidFill>
+                  <a:schemeClr val="tx1"/>
+                </a:solidFill>
+                <a:latin typeface="MV Boli" panose="02000500030200090000" pitchFamily="2" charset="0"/>
+                <a:cs typeface="MV Boli" panose="02000500030200090000" pitchFamily="2" charset="0"/>
+              </a:rPr>
+              <a:t>smartphone</a:t>
+            </a:r>
+          </a:p>
+        </p:txBody>
+      </p:sp>
+      <p:pic>
+        <p:nvPicPr>
+          <p:cNvPr id="32" name="Imagem 31" descr="Uma imagem contendo abajur, luz&#10;&#10;Descrição gerada automaticamente">
+            <a:extLst>
+              <a:ext uri="{FF2B5EF4-FFF2-40B4-BE49-F238E27FC236}">
+                <a16:creationId xmlns:a16="http://schemas.microsoft.com/office/drawing/2014/main" id="{2A1F0F66-5781-4D30-90DE-862415927BDD}"/>
+              </a:ext>
+            </a:extLst>
+          </p:cNvPr>
+          <p:cNvPicPr>
+            <a:picLocks noChangeAspect="1"/>
+          </p:cNvPicPr>
+          <p:nvPr/>
+        </p:nvPicPr>
+        <p:blipFill>
+          <a:blip r:embed="rId2">
+            <a:extLst>
+              <a:ext uri="{28A0092B-C50C-407E-A947-70E740481C1C}">
+                <a14:useLocalDpi xmlns:a14="http://schemas.microsoft.com/office/drawing/2010/main" val="0"/>
+              </a:ext>
+            </a:extLst>
+          </a:blip>
+          <a:stretch>
+            <a:fillRect/>
+          </a:stretch>
+        </p:blipFill>
+        <p:spPr>
+          <a:xfrm>
+            <a:off x="3825155" y="2494405"/>
+            <a:ext cx="788514" cy="788514"/>
+          </a:xfrm>
+          <a:prstGeom prst="rect">
+            <a:avLst/>
+          </a:prstGeom>
+        </p:spPr>
+      </p:pic>
+      <p:sp>
+        <p:nvSpPr>
+          <p:cNvPr id="34" name="Retângulo 33">
+            <a:extLst>
+              <a:ext uri="{FF2B5EF4-FFF2-40B4-BE49-F238E27FC236}">
+                <a16:creationId xmlns:a16="http://schemas.microsoft.com/office/drawing/2014/main" id="{ED512785-99A7-446A-8D6B-C756645FC053}"/>
+              </a:ext>
+            </a:extLst>
+          </p:cNvPr>
+          <p:cNvSpPr/>
+          <p:nvPr/>
+        </p:nvSpPr>
+        <p:spPr>
+          <a:xfrm>
+            <a:off x="3299746" y="5606623"/>
+            <a:ext cx="2033454" cy="841719"/>
+          </a:xfrm>
+          <a:prstGeom prst="rect">
+            <a:avLst/>
+          </a:prstGeom>
+          <a:solidFill>
+            <a:srgbClr val="FFC000"/>
+          </a:solidFill>
+          <a:ln>
+            <a:noFill/>
+          </a:ln>
+          <a:effectLst>
+            <a:outerShdw blurRad="25400" dist="38100" dir="5400000" algn="t" rotWithShape="0">
+              <a:schemeClr val="bg1">
+                <a:lumMod val="85000"/>
+                <a:alpha val="40000"/>
+              </a:schemeClr>
+            </a:outerShdw>
+          </a:effectLst>
+        </p:spPr>
+        <p:style>
+          <a:lnRef idx="2">
+            <a:schemeClr val="accent1">
+              <a:shade val="50000"/>
+            </a:schemeClr>
+          </a:lnRef>
+          <a:fillRef idx="1">
+            <a:schemeClr val="accent1"/>
+          </a:fillRef>
+          <a:effectRef idx="0">
+            <a:schemeClr val="accent1"/>
+          </a:effectRef>
+          <a:fontRef idx="minor">
+            <a:schemeClr val="lt1"/>
+          </a:fontRef>
+        </p:style>
+        <p:txBody>
+          <a:bodyPr rtlCol="0" anchor="ctr"/>
+          <a:lstStyle/>
+          <a:p>
+            <a:pPr algn="ctr" defTabSz="1095129"/>
+            <a:r>
+              <a:rPr lang="pt-BR" sz="1333" dirty="0">
+                <a:solidFill>
+                  <a:schemeClr val="tx1"/>
+                </a:solidFill>
+                <a:latin typeface="MV Boli" panose="02000500030200090000" pitchFamily="2" charset="0"/>
+                <a:cs typeface="MV Boli" panose="02000500030200090000" pitchFamily="2" charset="0"/>
+              </a:rPr>
+              <a:t>Tirar a foto em um ambiente onde a foto já será guardada</a:t>
+            </a:r>
+          </a:p>
+        </p:txBody>
+      </p:sp>
+      <p:sp>
+        <p:nvSpPr>
+          <p:cNvPr id="38" name="Retângulo 37">
+            <a:extLst>
+              <a:ext uri="{FF2B5EF4-FFF2-40B4-BE49-F238E27FC236}">
+                <a16:creationId xmlns:a16="http://schemas.microsoft.com/office/drawing/2014/main" id="{132DFA4C-BC83-4A5A-A665-22D1FE1964B7}"/>
+              </a:ext>
+            </a:extLst>
+          </p:cNvPr>
+          <p:cNvSpPr/>
+          <p:nvPr/>
+        </p:nvSpPr>
+        <p:spPr>
+          <a:xfrm>
+            <a:off x="7858494" y="3542359"/>
+            <a:ext cx="2057498" cy="831684"/>
+          </a:xfrm>
+          <a:prstGeom prst="rect">
+            <a:avLst/>
+          </a:prstGeom>
+          <a:solidFill>
+            <a:schemeClr val="accent5"/>
+          </a:solidFill>
+          <a:ln>
+            <a:noFill/>
+          </a:ln>
+          <a:effectLst>
+            <a:outerShdw blurRad="25400" dist="38100" dir="5400000" algn="t" rotWithShape="0">
+              <a:schemeClr val="bg1">
+                <a:lumMod val="85000"/>
+                <a:alpha val="40000"/>
+              </a:schemeClr>
+            </a:outerShdw>
+          </a:effectLst>
+        </p:spPr>
+        <p:style>
+          <a:lnRef idx="2">
+            <a:schemeClr val="accent1">
+              <a:shade val="50000"/>
+            </a:schemeClr>
+          </a:lnRef>
+          <a:fillRef idx="1">
+            <a:schemeClr val="accent1"/>
+          </a:fillRef>
+          <a:effectRef idx="0">
+            <a:schemeClr val="accent1"/>
+          </a:effectRef>
+          <a:fontRef idx="minor">
+            <a:schemeClr val="lt1"/>
+          </a:fontRef>
+        </p:style>
+        <p:txBody>
+          <a:bodyPr rtlCol="0" anchor="ctr"/>
+          <a:lstStyle/>
+          <a:p>
+            <a:pPr algn="ctr" defTabSz="1095129"/>
+            <a:r>
+              <a:rPr lang="pt-BR" sz="1333" dirty="0">
+                <a:solidFill>
+                  <a:schemeClr val="tx1"/>
+                </a:solidFill>
+                <a:latin typeface="MV Boli" panose="02000500030200090000" pitchFamily="2" charset="0"/>
+                <a:cs typeface="MV Boli" panose="02000500030200090000" pitchFamily="2" charset="0"/>
+              </a:rPr>
+              <a:t>Essas pessoas tem a vida bem melhor que a minha, tenho vergonha de mim</a:t>
+            </a:r>
+          </a:p>
+        </p:txBody>
+      </p:sp>
+      <p:sp>
+        <p:nvSpPr>
+          <p:cNvPr id="39" name="Retângulo 38">
+            <a:extLst>
+              <a:ext uri="{FF2B5EF4-FFF2-40B4-BE49-F238E27FC236}">
+                <a16:creationId xmlns:a16="http://schemas.microsoft.com/office/drawing/2014/main" id="{28FB7DD3-9E15-4E5A-B384-36E930C38B03}"/>
+              </a:ext>
+            </a:extLst>
+          </p:cNvPr>
+          <p:cNvSpPr/>
+          <p:nvPr/>
+        </p:nvSpPr>
+        <p:spPr>
+          <a:xfrm>
+            <a:off x="7858496" y="4561479"/>
+            <a:ext cx="2057498" cy="819739"/>
+          </a:xfrm>
+          <a:prstGeom prst="rect">
+            <a:avLst/>
+          </a:prstGeom>
+          <a:solidFill>
+            <a:schemeClr val="accent5"/>
+          </a:solidFill>
+          <a:ln>
+            <a:noFill/>
+          </a:ln>
+          <a:effectLst>
+            <a:outerShdw blurRad="25400" dist="38100" dir="5400000" algn="t" rotWithShape="0">
+              <a:schemeClr val="bg1">
+                <a:lumMod val="85000"/>
+                <a:alpha val="40000"/>
+              </a:schemeClr>
+            </a:outerShdw>
+          </a:effectLst>
+        </p:spPr>
+        <p:style>
+          <a:lnRef idx="2">
+            <a:schemeClr val="accent1">
+              <a:shade val="50000"/>
+            </a:schemeClr>
+          </a:lnRef>
+          <a:fillRef idx="1">
+            <a:schemeClr val="accent1"/>
+          </a:fillRef>
+          <a:effectRef idx="0">
+            <a:schemeClr val="accent1"/>
+          </a:effectRef>
+          <a:fontRef idx="minor">
+            <a:schemeClr val="lt1"/>
+          </a:fontRef>
+        </p:style>
+        <p:txBody>
+          <a:bodyPr rtlCol="0" anchor="ctr"/>
+          <a:lstStyle/>
+          <a:p>
+            <a:pPr algn="ctr" defTabSz="1095129"/>
+            <a:r>
+              <a:rPr lang="pt-BR" sz="1333">
+                <a:solidFill>
+                  <a:schemeClr val="tx1"/>
+                </a:solidFill>
+                <a:latin typeface="MV Boli" panose="02000500030200090000" pitchFamily="2" charset="0"/>
+                <a:cs typeface="MV Boli" panose="02000500030200090000" pitchFamily="2" charset="0"/>
+              </a:rPr>
+              <a:t>Rede social (instagram, facebook, etc)</a:t>
+            </a:r>
+            <a:endParaRPr lang="pt-BR" sz="1333" dirty="0">
+              <a:solidFill>
+                <a:schemeClr val="tx1"/>
+              </a:solidFill>
+              <a:latin typeface="MV Boli" panose="02000500030200090000" pitchFamily="2" charset="0"/>
+              <a:cs typeface="MV Boli" panose="02000500030200090000" pitchFamily="2" charset="0"/>
+            </a:endParaRPr>
+          </a:p>
+        </p:txBody>
+      </p:sp>
+      <p:sp>
+        <p:nvSpPr>
+          <p:cNvPr id="40" name="Retângulo 39">
+            <a:extLst>
+              <a:ext uri="{FF2B5EF4-FFF2-40B4-BE49-F238E27FC236}">
+                <a16:creationId xmlns:a16="http://schemas.microsoft.com/office/drawing/2014/main" id="{9D88C5B2-69F3-4911-A664-A37384B0157D}"/>
+              </a:ext>
+            </a:extLst>
+          </p:cNvPr>
+          <p:cNvSpPr/>
+          <p:nvPr/>
+        </p:nvSpPr>
+        <p:spPr>
+          <a:xfrm>
+            <a:off x="7858494" y="5618565"/>
+            <a:ext cx="2057498" cy="829533"/>
+          </a:xfrm>
+          <a:prstGeom prst="rect">
+            <a:avLst/>
+          </a:prstGeom>
+          <a:solidFill>
+            <a:schemeClr val="accent5"/>
+          </a:solidFill>
+          <a:ln>
+            <a:noFill/>
+          </a:ln>
+          <a:effectLst>
+            <a:outerShdw blurRad="25400" dist="38100" dir="5400000" algn="t" rotWithShape="0">
+              <a:schemeClr val="bg1">
+                <a:lumMod val="85000"/>
+                <a:alpha val="40000"/>
+              </a:schemeClr>
+            </a:outerShdw>
+          </a:effectLst>
+        </p:spPr>
+        <p:style>
+          <a:lnRef idx="2">
+            <a:schemeClr val="accent1">
+              <a:shade val="50000"/>
+            </a:schemeClr>
+          </a:lnRef>
+          <a:fillRef idx="1">
+            <a:schemeClr val="accent1"/>
+          </a:fillRef>
+          <a:effectRef idx="0">
+            <a:schemeClr val="accent1"/>
+          </a:effectRef>
+          <a:fontRef idx="minor">
+            <a:schemeClr val="lt1"/>
+          </a:fontRef>
+        </p:style>
+        <p:txBody>
+          <a:bodyPr rtlCol="0" anchor="ctr"/>
+          <a:lstStyle/>
+          <a:p>
+            <a:pPr algn="ctr" defTabSz="1095129"/>
+            <a:r>
+              <a:rPr lang="pt-BR" sz="1333" dirty="0">
+                <a:solidFill>
+                  <a:schemeClr val="tx1"/>
+                </a:solidFill>
+                <a:latin typeface="MV Boli" panose="02000500030200090000" pitchFamily="2" charset="0"/>
+                <a:cs typeface="MV Boli" panose="02000500030200090000" pitchFamily="2" charset="0"/>
+              </a:rPr>
+              <a:t>Ter um ambiente com os amigos próximos, com pessoas reais</a:t>
+            </a:r>
+          </a:p>
+        </p:txBody>
+      </p:sp>
+      <p:sp>
+        <p:nvSpPr>
+          <p:cNvPr id="42" name="Retângulo 41">
+            <a:extLst>
+              <a:ext uri="{FF2B5EF4-FFF2-40B4-BE49-F238E27FC236}">
+                <a16:creationId xmlns:a16="http://schemas.microsoft.com/office/drawing/2014/main" id="{98F2FBC3-E04C-46E3-84D1-E2DB90F24D89}"/>
+              </a:ext>
+            </a:extLst>
+          </p:cNvPr>
+          <p:cNvSpPr/>
+          <p:nvPr/>
+        </p:nvSpPr>
+        <p:spPr>
+          <a:xfrm>
+            <a:off x="10139021" y="3542359"/>
+            <a:ext cx="2184277" cy="831683"/>
+          </a:xfrm>
+          <a:prstGeom prst="rect">
+            <a:avLst/>
+          </a:prstGeom>
+          <a:solidFill>
+            <a:schemeClr val="accent6">
+              <a:lumMod val="75000"/>
+            </a:schemeClr>
+          </a:solidFill>
+          <a:ln>
+            <a:noFill/>
+          </a:ln>
+          <a:effectLst>
+            <a:outerShdw blurRad="25400" dist="38100" dir="5400000" algn="t" rotWithShape="0">
+              <a:schemeClr val="bg1">
+                <a:lumMod val="85000"/>
+                <a:alpha val="40000"/>
+              </a:schemeClr>
+            </a:outerShdw>
+          </a:effectLst>
+        </p:spPr>
+        <p:style>
+          <a:lnRef idx="2">
+            <a:schemeClr val="accent1">
+              <a:shade val="50000"/>
+            </a:schemeClr>
+          </a:lnRef>
+          <a:fillRef idx="1">
+            <a:schemeClr val="accent1"/>
+          </a:fillRef>
+          <a:effectRef idx="0">
+            <a:schemeClr val="accent1"/>
+          </a:effectRef>
+          <a:fontRef idx="minor">
+            <a:schemeClr val="lt1"/>
+          </a:fontRef>
+        </p:style>
+        <p:txBody>
+          <a:bodyPr rtlCol="0" anchor="ctr"/>
+          <a:lstStyle/>
+          <a:p>
+            <a:pPr algn="ctr" defTabSz="1095129"/>
+            <a:r>
+              <a:rPr lang="pt-BR" sz="1333" dirty="0">
+                <a:solidFill>
+                  <a:schemeClr val="tx1"/>
+                </a:solidFill>
+                <a:latin typeface="MV Boli" panose="02000500030200090000" pitchFamily="2" charset="0"/>
+                <a:cs typeface="MV Boli" panose="02000500030200090000" pitchFamily="2" charset="0"/>
+              </a:rPr>
+              <a:t>Será que estou bonito? O que os outros vão pensar dessa foto?</a:t>
+            </a:r>
+          </a:p>
+        </p:txBody>
+      </p:sp>
+      <p:sp>
+        <p:nvSpPr>
+          <p:cNvPr id="43" name="Retângulo 42">
+            <a:extLst>
+              <a:ext uri="{FF2B5EF4-FFF2-40B4-BE49-F238E27FC236}">
+                <a16:creationId xmlns:a16="http://schemas.microsoft.com/office/drawing/2014/main" id="{49296E94-8273-4352-896A-3C97B1FFF430}"/>
+              </a:ext>
+            </a:extLst>
+          </p:cNvPr>
+          <p:cNvSpPr/>
+          <p:nvPr/>
+        </p:nvSpPr>
+        <p:spPr>
+          <a:xfrm>
+            <a:off x="10139021" y="4555508"/>
+            <a:ext cx="2184277" cy="831683"/>
+          </a:xfrm>
+          <a:prstGeom prst="rect">
+            <a:avLst/>
+          </a:prstGeom>
+          <a:solidFill>
+            <a:schemeClr val="accent6">
+              <a:lumMod val="75000"/>
+            </a:schemeClr>
+          </a:solidFill>
+          <a:ln>
+            <a:noFill/>
+          </a:ln>
+          <a:effectLst>
+            <a:outerShdw blurRad="25400" dist="38100" dir="5400000" algn="t" rotWithShape="0">
+              <a:schemeClr val="bg1">
+                <a:lumMod val="85000"/>
+                <a:alpha val="40000"/>
+              </a:schemeClr>
+            </a:outerShdw>
+          </a:effectLst>
+        </p:spPr>
+        <p:style>
+          <a:lnRef idx="2">
+            <a:schemeClr val="accent1">
+              <a:shade val="50000"/>
+            </a:schemeClr>
+          </a:lnRef>
+          <a:fillRef idx="1">
+            <a:schemeClr val="accent1"/>
+          </a:fillRef>
+          <a:effectRef idx="0">
+            <a:schemeClr val="accent1"/>
+          </a:effectRef>
+          <a:fontRef idx="minor">
+            <a:schemeClr val="lt1"/>
+          </a:fontRef>
+        </p:style>
+        <p:txBody>
+          <a:bodyPr rtlCol="0" anchor="ctr"/>
+          <a:lstStyle/>
+          <a:p>
+            <a:pPr algn="ctr" defTabSz="1095129"/>
+            <a:r>
+              <a:rPr lang="pt-BR" sz="1333" dirty="0">
+                <a:solidFill>
+                  <a:schemeClr val="tx1"/>
+                </a:solidFill>
+                <a:latin typeface="MV Boli" panose="02000500030200090000" pitchFamily="2" charset="0"/>
+                <a:cs typeface="MV Boli" panose="02000500030200090000" pitchFamily="2" charset="0"/>
+              </a:rPr>
+              <a:t>Rede social (</a:t>
+            </a:r>
+            <a:r>
+              <a:rPr lang="pt-BR" sz="1333" dirty="0" err="1">
+                <a:solidFill>
+                  <a:schemeClr val="tx1"/>
+                </a:solidFill>
+                <a:latin typeface="MV Boli" panose="02000500030200090000" pitchFamily="2" charset="0"/>
+                <a:cs typeface="MV Boli" panose="02000500030200090000" pitchFamily="2" charset="0"/>
+              </a:rPr>
+              <a:t>instagram</a:t>
+            </a:r>
+            <a:r>
+              <a:rPr lang="pt-BR" sz="1333" dirty="0">
+                <a:solidFill>
+                  <a:schemeClr val="tx1"/>
+                </a:solidFill>
+                <a:latin typeface="MV Boli" panose="02000500030200090000" pitchFamily="2" charset="0"/>
+                <a:cs typeface="MV Boli" panose="02000500030200090000" pitchFamily="2" charset="0"/>
+              </a:rPr>
+              <a:t>, </a:t>
+            </a:r>
+            <a:r>
+              <a:rPr lang="pt-BR" sz="1333" dirty="0" err="1">
+                <a:solidFill>
+                  <a:schemeClr val="tx1"/>
+                </a:solidFill>
+                <a:latin typeface="MV Boli" panose="02000500030200090000" pitchFamily="2" charset="0"/>
+                <a:cs typeface="MV Boli" panose="02000500030200090000" pitchFamily="2" charset="0"/>
+              </a:rPr>
+              <a:t>facebook</a:t>
+            </a:r>
+            <a:r>
+              <a:rPr lang="pt-BR" sz="1333" dirty="0">
+                <a:solidFill>
+                  <a:schemeClr val="tx1"/>
+                </a:solidFill>
+                <a:latin typeface="MV Boli" panose="02000500030200090000" pitchFamily="2" charset="0"/>
+                <a:cs typeface="MV Boli" panose="02000500030200090000" pitchFamily="2" charset="0"/>
+              </a:rPr>
+              <a:t>, etc)</a:t>
+            </a:r>
+          </a:p>
+        </p:txBody>
+      </p:sp>
+      <p:sp>
+        <p:nvSpPr>
+          <p:cNvPr id="44" name="Retângulo 43">
+            <a:extLst>
+              <a:ext uri="{FF2B5EF4-FFF2-40B4-BE49-F238E27FC236}">
+                <a16:creationId xmlns:a16="http://schemas.microsoft.com/office/drawing/2014/main" id="{4ECDDDA9-7B2A-4090-A333-58756C729F75}"/>
+              </a:ext>
+            </a:extLst>
+          </p:cNvPr>
+          <p:cNvSpPr/>
+          <p:nvPr/>
+        </p:nvSpPr>
+        <p:spPr>
+          <a:xfrm>
+            <a:off x="10139021" y="5618565"/>
+            <a:ext cx="2184277" cy="829533"/>
+          </a:xfrm>
+          <a:prstGeom prst="rect">
+            <a:avLst/>
+          </a:prstGeom>
+          <a:solidFill>
+            <a:schemeClr val="accent6">
+              <a:lumMod val="75000"/>
+            </a:schemeClr>
+          </a:solidFill>
+          <a:ln>
+            <a:noFill/>
+          </a:ln>
+          <a:effectLst>
+            <a:outerShdw blurRad="25400" dist="38100" dir="5400000" algn="t" rotWithShape="0">
+              <a:schemeClr val="bg1">
+                <a:lumMod val="85000"/>
+                <a:alpha val="40000"/>
+              </a:schemeClr>
+            </a:outerShdw>
+          </a:effectLst>
+        </p:spPr>
+        <p:style>
+          <a:lnRef idx="2">
+            <a:schemeClr val="accent1">
+              <a:shade val="50000"/>
+            </a:schemeClr>
+          </a:lnRef>
+          <a:fillRef idx="1">
+            <a:schemeClr val="accent1"/>
+          </a:fillRef>
+          <a:effectRef idx="0">
+            <a:schemeClr val="accent1"/>
+          </a:effectRef>
+          <a:fontRef idx="minor">
+            <a:schemeClr val="lt1"/>
+          </a:fontRef>
+        </p:style>
+        <p:txBody>
+          <a:bodyPr rtlCol="0" anchor="ctr"/>
+          <a:lstStyle/>
+          <a:p>
+            <a:pPr algn="ctr" defTabSz="1095129"/>
+            <a:r>
+              <a:rPr lang="pt-BR" sz="1333" dirty="0">
+                <a:solidFill>
+                  <a:schemeClr val="tx1"/>
+                </a:solidFill>
+                <a:latin typeface="MV Boli" panose="02000500030200090000" pitchFamily="2" charset="0"/>
+                <a:cs typeface="MV Boli" panose="02000500030200090000" pitchFamily="2" charset="0"/>
+              </a:rPr>
+              <a:t>Criar </a:t>
+            </a:r>
+            <a:r>
+              <a:rPr lang="pt-BR" sz="1333" dirty="0" err="1">
+                <a:solidFill>
+                  <a:schemeClr val="tx1"/>
+                </a:solidFill>
+                <a:latin typeface="MV Boli" panose="02000500030200090000" pitchFamily="2" charset="0"/>
+                <a:cs typeface="MV Boli" panose="02000500030200090000" pitchFamily="2" charset="0"/>
+              </a:rPr>
+              <a:t>memoriesLines</a:t>
+            </a:r>
+            <a:r>
+              <a:rPr lang="pt-BR" sz="1333" dirty="0">
+                <a:solidFill>
+                  <a:schemeClr val="tx1"/>
+                </a:solidFill>
+                <a:latin typeface="MV Boli" panose="02000500030200090000" pitchFamily="2" charset="0"/>
+                <a:cs typeface="MV Boli" panose="02000500030200090000" pitchFamily="2" charset="0"/>
+              </a:rPr>
+              <a:t> privadas ou compartilhadas com quem realmente importa</a:t>
+            </a:r>
+          </a:p>
+        </p:txBody>
+      </p:sp>
+      <p:pic>
+        <p:nvPicPr>
+          <p:cNvPr id="54" name="Imagem 53">
+            <a:extLst>
+              <a:ext uri="{FF2B5EF4-FFF2-40B4-BE49-F238E27FC236}">
+                <a16:creationId xmlns:a16="http://schemas.microsoft.com/office/drawing/2014/main" id="{E9B2844F-6C04-41FD-A902-E2290DF53552}"/>
+              </a:ext>
+            </a:extLst>
+          </p:cNvPr>
+          <p:cNvPicPr>
+            <a:picLocks noChangeAspect="1"/>
+          </p:cNvPicPr>
+          <p:nvPr/>
+        </p:nvPicPr>
+        <p:blipFill>
+          <a:blip r:embed="rId3">
+            <a:extLst>
+              <a:ext uri="{28A0092B-C50C-407E-A947-70E740481C1C}">
+                <a14:useLocalDpi xmlns:a14="http://schemas.microsoft.com/office/drawing/2010/main" val="0"/>
+              </a:ext>
+            </a:extLst>
+          </a:blip>
+          <a:stretch>
+            <a:fillRect/>
+          </a:stretch>
+        </p:blipFill>
+        <p:spPr>
+          <a:xfrm flipH="1">
+            <a:off x="8079034" y="2521238"/>
+            <a:ext cx="715332" cy="715332"/>
+          </a:xfrm>
+          <a:prstGeom prst="rect">
+            <a:avLst/>
+          </a:prstGeom>
+        </p:spPr>
+      </p:pic>
+      <p:pic>
+        <p:nvPicPr>
+          <p:cNvPr id="58" name="Imagem 57">
+            <a:extLst>
+              <a:ext uri="{FF2B5EF4-FFF2-40B4-BE49-F238E27FC236}">
+                <a16:creationId xmlns:a16="http://schemas.microsoft.com/office/drawing/2014/main" id="{524AF81F-3E86-4A7D-A2F7-A749B0D957B3}"/>
+              </a:ext>
+            </a:extLst>
+          </p:cNvPr>
+          <p:cNvPicPr>
+            <a:picLocks noChangeAspect="1"/>
+          </p:cNvPicPr>
+          <p:nvPr/>
+        </p:nvPicPr>
+        <p:blipFill>
+          <a:blip r:embed="rId4">
+            <a:extLst>
+              <a:ext uri="{28A0092B-C50C-407E-A947-70E740481C1C}">
+                <a14:useLocalDpi xmlns:a14="http://schemas.microsoft.com/office/drawing/2010/main" val="0"/>
+              </a:ext>
+            </a:extLst>
+          </a:blip>
+          <a:stretch>
+            <a:fillRect/>
+          </a:stretch>
+        </p:blipFill>
+        <p:spPr>
+          <a:xfrm>
+            <a:off x="8904583" y="2489203"/>
+            <a:ext cx="817547" cy="817547"/>
+          </a:xfrm>
+          <a:prstGeom prst="rect">
+            <a:avLst/>
+          </a:prstGeom>
+        </p:spPr>
+      </p:pic>
+      <p:sp>
+        <p:nvSpPr>
+          <p:cNvPr id="51" name="Seta: Pentágono 50">
+            <a:extLst>
+              <a:ext uri="{FF2B5EF4-FFF2-40B4-BE49-F238E27FC236}">
+                <a16:creationId xmlns:a16="http://schemas.microsoft.com/office/drawing/2014/main" id="{0389922B-A6BD-4B77-BB74-6B5D64448BDC}"/>
+              </a:ext>
+            </a:extLst>
+          </p:cNvPr>
+          <p:cNvSpPr/>
+          <p:nvPr/>
+        </p:nvSpPr>
+        <p:spPr>
+          <a:xfrm>
+            <a:off x="5593158" y="425265"/>
+            <a:ext cx="2057499" cy="807798"/>
+          </a:xfrm>
+          <a:prstGeom prst="homePlate">
+            <a:avLst/>
+          </a:prstGeom>
+          <a:ln>
+            <a:solidFill>
+              <a:schemeClr val="tx1"/>
+            </a:solidFill>
+          </a:ln>
+        </p:spPr>
+        <p:style>
+          <a:lnRef idx="2">
+            <a:schemeClr val="dk1">
+              <a:shade val="50000"/>
+            </a:schemeClr>
+          </a:lnRef>
+          <a:fillRef idx="1">
+            <a:schemeClr val="dk1"/>
+          </a:fillRef>
+          <a:effectRef idx="0">
+            <a:schemeClr val="dk1"/>
+          </a:effectRef>
+          <a:fontRef idx="minor">
+            <a:schemeClr val="lt1"/>
+          </a:fontRef>
+        </p:style>
+        <p:txBody>
+          <a:bodyPr rtlCol="0" anchor="ctr"/>
+          <a:lstStyle/>
+          <a:p>
+            <a:pPr algn="ctr"/>
+            <a:r>
+              <a:rPr lang="pt-BR" sz="1910" b="1" dirty="0"/>
+              <a:t>Compartilhamento com amigos</a:t>
+            </a:r>
+          </a:p>
+        </p:txBody>
+      </p:sp>
+      <p:sp>
+        <p:nvSpPr>
+          <p:cNvPr id="53" name="Retângulo 52">
+            <a:extLst>
+              <a:ext uri="{FF2B5EF4-FFF2-40B4-BE49-F238E27FC236}">
+                <a16:creationId xmlns:a16="http://schemas.microsoft.com/office/drawing/2014/main" id="{F881D50E-42B2-4CCC-BECC-7C9E5893B501}"/>
+              </a:ext>
+            </a:extLst>
+          </p:cNvPr>
+          <p:cNvSpPr/>
+          <p:nvPr/>
+        </p:nvSpPr>
+        <p:spPr>
+          <a:xfrm>
+            <a:off x="5593159" y="1463565"/>
+            <a:ext cx="2057498" cy="831684"/>
+          </a:xfrm>
+          <a:prstGeom prst="rect">
+            <a:avLst/>
+          </a:prstGeom>
+          <a:solidFill>
+            <a:schemeClr val="accent5"/>
+          </a:solidFill>
+          <a:ln>
+            <a:noFill/>
+          </a:ln>
+          <a:effectLst>
+            <a:outerShdw blurRad="25400" dist="38100" dir="5400000" algn="t" rotWithShape="0">
+              <a:schemeClr val="bg1">
+                <a:lumMod val="85000"/>
+                <a:alpha val="40000"/>
+              </a:schemeClr>
+            </a:outerShdw>
+          </a:effectLst>
+        </p:spPr>
+        <p:style>
+          <a:lnRef idx="2">
+            <a:schemeClr val="accent1">
+              <a:shade val="50000"/>
+            </a:schemeClr>
+          </a:lnRef>
+          <a:fillRef idx="1">
+            <a:schemeClr val="accent1"/>
+          </a:fillRef>
+          <a:effectRef idx="0">
+            <a:schemeClr val="accent1"/>
+          </a:effectRef>
+          <a:fontRef idx="minor">
+            <a:schemeClr val="lt1"/>
+          </a:fontRef>
+        </p:style>
+        <p:txBody>
+          <a:bodyPr rtlCol="0" anchor="ctr"/>
+          <a:lstStyle/>
+          <a:p>
+            <a:pPr algn="ctr" defTabSz="1095129"/>
+            <a:r>
+              <a:rPr lang="pt-BR" sz="1333" dirty="0">
+                <a:solidFill>
+                  <a:schemeClr val="tx1"/>
+                </a:solidFill>
+                <a:latin typeface="MV Boli" panose="02000500030200090000" pitchFamily="2" charset="0"/>
+                <a:cs typeface="MV Boli" panose="02000500030200090000" pitchFamily="2" charset="0"/>
+              </a:rPr>
+              <a:t>Amigos pedem pra enviar a foto, então compartilha pelo app de mensagem</a:t>
+            </a:r>
+          </a:p>
+        </p:txBody>
+      </p:sp>
+      <p:sp>
+        <p:nvSpPr>
+          <p:cNvPr id="55" name="Retângulo 54">
+            <a:extLst>
+              <a:ext uri="{FF2B5EF4-FFF2-40B4-BE49-F238E27FC236}">
+                <a16:creationId xmlns:a16="http://schemas.microsoft.com/office/drawing/2014/main" id="{ADF6F65A-E209-424C-93D9-757A9BA3BF54}"/>
+              </a:ext>
+            </a:extLst>
+          </p:cNvPr>
+          <p:cNvSpPr/>
+          <p:nvPr/>
+        </p:nvSpPr>
+        <p:spPr>
+          <a:xfrm>
+            <a:off x="5593159" y="3540166"/>
+            <a:ext cx="2057498" cy="831684"/>
+          </a:xfrm>
+          <a:prstGeom prst="rect">
+            <a:avLst/>
+          </a:prstGeom>
+          <a:solidFill>
+            <a:schemeClr val="accent5"/>
+          </a:solidFill>
+          <a:ln>
+            <a:noFill/>
+          </a:ln>
+          <a:effectLst>
+            <a:outerShdw blurRad="25400" dist="38100" dir="5400000" algn="t" rotWithShape="0">
+              <a:schemeClr val="bg1">
+                <a:lumMod val="85000"/>
+                <a:alpha val="40000"/>
+              </a:schemeClr>
+            </a:outerShdw>
+          </a:effectLst>
+        </p:spPr>
+        <p:style>
+          <a:lnRef idx="2">
+            <a:schemeClr val="accent1">
+              <a:shade val="50000"/>
+            </a:schemeClr>
+          </a:lnRef>
+          <a:fillRef idx="1">
+            <a:schemeClr val="accent1"/>
+          </a:fillRef>
+          <a:effectRef idx="0">
+            <a:schemeClr val="accent1"/>
+          </a:effectRef>
+          <a:fontRef idx="minor">
+            <a:schemeClr val="lt1"/>
+          </a:fontRef>
+        </p:style>
+        <p:txBody>
+          <a:bodyPr rtlCol="0" anchor="ctr"/>
+          <a:lstStyle/>
+          <a:p>
+            <a:pPr algn="ctr" defTabSz="1095129"/>
+            <a:r>
+              <a:rPr lang="pt-BR" sz="1333" dirty="0">
+                <a:solidFill>
+                  <a:schemeClr val="tx1"/>
+                </a:solidFill>
+                <a:latin typeface="MV Boli" panose="02000500030200090000" pitchFamily="2" charset="0"/>
+                <a:cs typeface="MV Boli" panose="02000500030200090000" pitchFamily="2" charset="0"/>
+              </a:rPr>
+              <a:t>A foto vai se perder na galeria :( Será que posto em outra rede social?</a:t>
+            </a:r>
+          </a:p>
+        </p:txBody>
+      </p:sp>
+      <p:sp>
+        <p:nvSpPr>
+          <p:cNvPr id="56" name="Retângulo 55">
+            <a:extLst>
+              <a:ext uri="{FF2B5EF4-FFF2-40B4-BE49-F238E27FC236}">
+                <a16:creationId xmlns:a16="http://schemas.microsoft.com/office/drawing/2014/main" id="{59706553-B18C-4429-97E1-DCDC75BBAD97}"/>
+              </a:ext>
+            </a:extLst>
+          </p:cNvPr>
+          <p:cNvSpPr/>
+          <p:nvPr/>
+        </p:nvSpPr>
+        <p:spPr>
+          <a:xfrm>
+            <a:off x="5593161" y="4559286"/>
+            <a:ext cx="2057498" cy="819739"/>
+          </a:xfrm>
+          <a:prstGeom prst="rect">
+            <a:avLst/>
+          </a:prstGeom>
+          <a:solidFill>
+            <a:schemeClr val="accent5"/>
+          </a:solidFill>
+          <a:ln>
+            <a:noFill/>
+          </a:ln>
+          <a:effectLst>
+            <a:outerShdw blurRad="25400" dist="38100" dir="5400000" algn="t" rotWithShape="0">
+              <a:schemeClr val="bg1">
+                <a:lumMod val="85000"/>
+                <a:alpha val="40000"/>
+              </a:schemeClr>
+            </a:outerShdw>
+          </a:effectLst>
+        </p:spPr>
+        <p:style>
+          <a:lnRef idx="2">
+            <a:schemeClr val="accent1">
+              <a:shade val="50000"/>
+            </a:schemeClr>
+          </a:lnRef>
+          <a:fillRef idx="1">
+            <a:schemeClr val="accent1"/>
+          </a:fillRef>
+          <a:effectRef idx="0">
+            <a:schemeClr val="accent1"/>
+          </a:effectRef>
+          <a:fontRef idx="minor">
+            <a:schemeClr val="lt1"/>
+          </a:fontRef>
+        </p:style>
+        <p:txBody>
+          <a:bodyPr rtlCol="0" anchor="ctr"/>
+          <a:lstStyle/>
+          <a:p>
+            <a:pPr algn="ctr" defTabSz="1095129"/>
+            <a:r>
+              <a:rPr lang="pt-BR" sz="1333" dirty="0">
+                <a:solidFill>
+                  <a:schemeClr val="tx1"/>
+                </a:solidFill>
+                <a:latin typeface="MV Boli" panose="02000500030200090000" pitchFamily="2" charset="0"/>
+                <a:cs typeface="MV Boli" panose="02000500030200090000" pitchFamily="2" charset="0"/>
+              </a:rPr>
+              <a:t>App mensagem (</a:t>
+            </a:r>
+            <a:r>
+              <a:rPr lang="pt-BR" sz="1333" dirty="0" err="1">
+                <a:solidFill>
+                  <a:schemeClr val="tx1"/>
+                </a:solidFill>
+                <a:latin typeface="MV Boli" panose="02000500030200090000" pitchFamily="2" charset="0"/>
+                <a:cs typeface="MV Boli" panose="02000500030200090000" pitchFamily="2" charset="0"/>
+              </a:rPr>
+              <a:t>whatsapp</a:t>
+            </a:r>
+            <a:r>
+              <a:rPr lang="pt-BR" sz="1333" dirty="0">
+                <a:solidFill>
+                  <a:schemeClr val="tx1"/>
+                </a:solidFill>
+                <a:latin typeface="MV Boli" panose="02000500030200090000" pitchFamily="2" charset="0"/>
+                <a:cs typeface="MV Boli" panose="02000500030200090000" pitchFamily="2" charset="0"/>
+              </a:rPr>
+              <a:t>, Messenger, </a:t>
+            </a:r>
+            <a:r>
+              <a:rPr lang="pt-BR" sz="1333" dirty="0" err="1">
+                <a:solidFill>
+                  <a:schemeClr val="tx1"/>
+                </a:solidFill>
+                <a:latin typeface="MV Boli" panose="02000500030200090000" pitchFamily="2" charset="0"/>
+                <a:cs typeface="MV Boli" panose="02000500030200090000" pitchFamily="2" charset="0"/>
+              </a:rPr>
+              <a:t>etc</a:t>
+            </a:r>
+            <a:r>
+              <a:rPr lang="pt-BR" sz="1333" dirty="0">
+                <a:solidFill>
+                  <a:schemeClr val="tx1"/>
+                </a:solidFill>
+                <a:latin typeface="MV Boli" panose="02000500030200090000" pitchFamily="2" charset="0"/>
+                <a:cs typeface="MV Boli" panose="02000500030200090000" pitchFamily="2" charset="0"/>
+              </a:rPr>
+              <a:t>)</a:t>
+            </a:r>
+          </a:p>
+        </p:txBody>
+      </p:sp>
+      <p:sp>
+        <p:nvSpPr>
+          <p:cNvPr id="57" name="Retângulo 56">
+            <a:extLst>
+              <a:ext uri="{FF2B5EF4-FFF2-40B4-BE49-F238E27FC236}">
+                <a16:creationId xmlns:a16="http://schemas.microsoft.com/office/drawing/2014/main" id="{826CF70E-4E61-4EEA-9DA2-ABA2AFC6A21E}"/>
+              </a:ext>
+            </a:extLst>
+          </p:cNvPr>
+          <p:cNvSpPr/>
+          <p:nvPr/>
+        </p:nvSpPr>
+        <p:spPr>
+          <a:xfrm>
+            <a:off x="5593159" y="5616372"/>
+            <a:ext cx="2057498" cy="829533"/>
+          </a:xfrm>
+          <a:prstGeom prst="rect">
+            <a:avLst/>
+          </a:prstGeom>
+          <a:solidFill>
+            <a:schemeClr val="accent5"/>
+          </a:solidFill>
+          <a:ln>
+            <a:noFill/>
+          </a:ln>
+          <a:effectLst>
+            <a:outerShdw blurRad="25400" dist="38100" dir="5400000" algn="t" rotWithShape="0">
+              <a:schemeClr val="bg1">
+                <a:lumMod val="85000"/>
+                <a:alpha val="40000"/>
+              </a:schemeClr>
+            </a:outerShdw>
+          </a:effectLst>
+        </p:spPr>
+        <p:style>
+          <a:lnRef idx="2">
+            <a:schemeClr val="accent1">
+              <a:shade val="50000"/>
+            </a:schemeClr>
+          </a:lnRef>
+          <a:fillRef idx="1">
+            <a:schemeClr val="accent1"/>
+          </a:fillRef>
+          <a:effectRef idx="0">
+            <a:schemeClr val="accent1"/>
+          </a:effectRef>
+          <a:fontRef idx="minor">
+            <a:schemeClr val="lt1"/>
+          </a:fontRef>
+        </p:style>
+        <p:txBody>
+          <a:bodyPr rtlCol="0" anchor="ctr"/>
+          <a:lstStyle/>
+          <a:p>
+            <a:pPr algn="ctr" defTabSz="1095129"/>
+            <a:r>
+              <a:rPr lang="pt-BR" sz="1333" dirty="0">
+                <a:solidFill>
+                  <a:schemeClr val="tx1"/>
+                </a:solidFill>
+                <a:latin typeface="MV Boli" panose="02000500030200090000" pitchFamily="2" charset="0"/>
+                <a:cs typeface="MV Boli" panose="02000500030200090000" pitchFamily="2" charset="0"/>
+              </a:rPr>
+              <a:t>Ter um ambiente onde possa compartilhar a foto com os amigos certos</a:t>
+            </a:r>
+          </a:p>
+        </p:txBody>
+      </p:sp>
+      <p:pic>
+        <p:nvPicPr>
+          <p:cNvPr id="1026" name="Picture 2" descr="Resultado de imagem para angustia emoji">
+            <a:extLst>
+              <a:ext uri="{FF2B5EF4-FFF2-40B4-BE49-F238E27FC236}">
+                <a16:creationId xmlns:a16="http://schemas.microsoft.com/office/drawing/2014/main" id="{48333661-EA7B-4C24-82F4-94453374BA3A}"/>
+              </a:ext>
+            </a:extLst>
+          </p:cNvPr>
+          <p:cNvPicPr>
+            <a:picLocks noChangeAspect="1" noChangeArrowheads="1"/>
+          </p:cNvPicPr>
+          <p:nvPr/>
+        </p:nvPicPr>
+        <p:blipFill rotWithShape="1">
+          <a:blip r:embed="rId5">
+            <a:extLst>
+              <a:ext uri="{28A0092B-C50C-407E-A947-70E740481C1C}">
+                <a14:useLocalDpi xmlns:a14="http://schemas.microsoft.com/office/drawing/2010/main" val="0"/>
+              </a:ext>
+            </a:extLst>
+          </a:blip>
+          <a:srcRect l="27880" t="11188" r="31501" b="15867"/>
+          <a:stretch/>
+        </p:blipFill>
+        <p:spPr bwMode="auto">
+          <a:xfrm>
+            <a:off x="10876295" y="2508541"/>
+            <a:ext cx="736057" cy="740725"/>
+          </a:xfrm>
+          <a:prstGeom prst="rect">
+            <a:avLst/>
+          </a:prstGeom>
+          <a:noFill/>
+          <a:extLst>
+            <a:ext uri="{909E8E84-426E-40DD-AFC4-6F175D3DCCD1}">
+              <a14:hiddenFill xmlns:a14="http://schemas.microsoft.com/office/drawing/2010/main">
+                <a:solidFill>
+                  <a:srgbClr val="FFFFFF"/>
+                </a:solidFill>
+              </a14:hiddenFill>
+            </a:ext>
+          </a:extLst>
+        </p:spPr>
+      </p:pic>
+      <p:pic>
+        <p:nvPicPr>
+          <p:cNvPr id="1028" name="Picture 4" descr="Resultado de imagem para thinking emoji">
+            <a:extLst>
+              <a:ext uri="{FF2B5EF4-FFF2-40B4-BE49-F238E27FC236}">
+                <a16:creationId xmlns:a16="http://schemas.microsoft.com/office/drawing/2014/main" id="{D4DB3B5C-333D-46BB-B506-D24347C702C3}"/>
+              </a:ext>
+            </a:extLst>
+          </p:cNvPr>
+          <p:cNvPicPr>
+            <a:picLocks noChangeAspect="1" noChangeArrowheads="1"/>
+          </p:cNvPicPr>
+          <p:nvPr/>
+        </p:nvPicPr>
+        <p:blipFill>
+          <a:blip r:embed="rId6">
+            <a:extLst>
+              <a:ext uri="{28A0092B-C50C-407E-A947-70E740481C1C}">
+                <a14:useLocalDpi xmlns:a14="http://schemas.microsoft.com/office/drawing/2010/main" val="0"/>
+              </a:ext>
+            </a:extLst>
+          </a:blip>
+          <a:srcRect/>
+          <a:stretch>
+            <a:fillRect/>
+          </a:stretch>
+        </p:blipFill>
+        <p:spPr bwMode="auto">
+          <a:xfrm>
+            <a:off x="6206065" y="2489203"/>
+            <a:ext cx="793716" cy="793716"/>
+          </a:xfrm>
+          <a:prstGeom prst="rect">
+            <a:avLst/>
+          </a:prstGeom>
+          <a:noFill/>
+          <a:extLst>
+            <a:ext uri="{909E8E84-426E-40DD-AFC4-6F175D3DCCD1}">
+              <a14:hiddenFill xmlns:a14="http://schemas.microsoft.com/office/drawing/2010/main">
+                <a:solidFill>
+                  <a:srgbClr val="FFFFFF"/>
+                </a:solidFill>
+              </a14:hiddenFill>
+            </a:ext>
+          </a:extLst>
+        </p:spPr>
+      </p:pic>
+    </p:spTree>
+    <p:extLst>
+      <p:ext uri="{BB962C8B-B14F-4D97-AF65-F5344CB8AC3E}">
+        <p14:creationId xmlns:p14="http://schemas.microsoft.com/office/powerpoint/2010/main" val="1613942257"/>
+      </p:ext>
+    </p:extLst>
+  </p:cSld>
+  <p:clrMapOvr>
+    <a:masterClrMapping/>
+  </p:clrMapOvr>
+</p:sld>
+</file>
+
 <file path=ppt/theme/theme1.xml><?xml version="1.0" encoding="utf-8"?>
 <a:theme xmlns:a="http://schemas.openxmlformats.org/drawingml/2006/main" name="Tema do Office">
   <a:themeElements>
